--- a/HackathonPPT.pptx
+++ b/HackathonPPT.pptx
@@ -5,43 +5,42 @@
     <p:sldMasterId id="2147483661" r:id="rId1"/>
   </p:sldMasterIdLst>
   <p:notesMasterIdLst>
-    <p:notesMasterId r:id="rId9"/>
+    <p:notesMasterId r:id="rId8"/>
   </p:notesMasterIdLst>
   <p:sldIdLst>
     <p:sldId id="256" r:id="rId2"/>
-    <p:sldId id="257" r:id="rId3"/>
-    <p:sldId id="258" r:id="rId4"/>
-    <p:sldId id="259" r:id="rId5"/>
-    <p:sldId id="260" r:id="rId6"/>
-    <p:sldId id="261" r:id="rId7"/>
-    <p:sldId id="262" r:id="rId8"/>
+    <p:sldId id="258" r:id="rId3"/>
+    <p:sldId id="259" r:id="rId4"/>
+    <p:sldId id="260" r:id="rId5"/>
+    <p:sldId id="261" r:id="rId6"/>
+    <p:sldId id="262" r:id="rId7"/>
   </p:sldIdLst>
   <p:sldSz cx="9144000" cy="5143500" type="screen16x9"/>
   <p:notesSz cx="6858000" cy="9144000"/>
   <p:embeddedFontLst>
     <p:embeddedFont>
+      <p:font typeface="Muli" panose="020B0604020202020204" charset="0"/>
+      <p:regular r:id="rId9"/>
+      <p:bold r:id="rId10"/>
+      <p:italic r:id="rId11"/>
+      <p:boldItalic r:id="rId12"/>
+    </p:embeddedFont>
+    <p:embeddedFont>
       <p:font typeface="Roboto Slab" panose="020B0604020202020204" charset="0"/>
-      <p:regular r:id="rId10"/>
-      <p:bold r:id="rId11"/>
+      <p:regular r:id="rId13"/>
+      <p:bold r:id="rId14"/>
+    </p:embeddedFont>
+    <p:embeddedFont>
+      <p:font typeface="Muli Light" panose="020B0604020202020204" charset="0"/>
+      <p:regular r:id="rId15"/>
+      <p:bold r:id="rId16"/>
+      <p:italic r:id="rId17"/>
+      <p:boldItalic r:id="rId18"/>
     </p:embeddedFont>
     <p:embeddedFont>
       <p:font typeface="Muli Black" panose="020B0604020202020204" charset="0"/>
-      <p:bold r:id="rId12"/>
-      <p:boldItalic r:id="rId13"/>
-    </p:embeddedFont>
-    <p:embeddedFont>
-      <p:font typeface="Muli" panose="020B0604020202020204" charset="0"/>
-      <p:regular r:id="rId14"/>
-      <p:bold r:id="rId15"/>
-      <p:italic r:id="rId16"/>
-      <p:boldItalic r:id="rId17"/>
-    </p:embeddedFont>
-    <p:embeddedFont>
-      <p:font typeface="Muli Light" panose="020B0604020202020204" charset="0"/>
-      <p:regular r:id="rId18"/>
       <p:bold r:id="rId19"/>
-      <p:italic r:id="rId20"/>
-      <p:boldItalic r:id="rId21"/>
+      <p:boldItalic r:id="rId20"/>
     </p:embeddedFont>
   </p:embeddedFontLst>
   <p:defaultTextStyle>
@@ -246,6 +245,11 @@
       </a:defRPr>
     </a:lvl9pPr>
   </p:defaultTextStyle>
+  <p:extLst>
+    <p:ext uri="{EFAFB233-063F-42B5-8137-9DF3F51BA10A}">
+      <p15:sldGuideLst xmlns:p15="http://schemas.microsoft.com/office/powerpoint/2012/main"/>
+    </p:ext>
+  </p:extLst>
 </p:presentation>
 </file>
 
@@ -630,107 +634,6 @@
   <p:cSld>
     <p:spTree>
       <p:nvGrpSpPr>
-        <p:cNvPr id="1" name="Shape 1481"/>
-        <p:cNvGrpSpPr/>
-        <p:nvPr/>
-      </p:nvGrpSpPr>
-      <p:grpSpPr>
-        <a:xfrm>
-          <a:off x="0" y="0"/>
-          <a:ext cx="0" cy="0"/>
-          <a:chOff x="0" y="0"/>
-          <a:chExt cx="0" cy="0"/>
-        </a:xfrm>
-      </p:grpSpPr>
-      <p:sp>
-        <p:nvSpPr>
-          <p:cNvPr id="1482" name="Shape 1482"/>
-          <p:cNvSpPr>
-            <a:spLocks noGrp="1" noRot="1" noChangeAspect="1"/>
-          </p:cNvSpPr>
-          <p:nvPr>
-            <p:ph type="sldImg" idx="2"/>
-          </p:nvPr>
-        </p:nvSpPr>
-        <p:spPr>
-          <a:xfrm>
-            <a:off x="381000" y="685800"/>
-            <a:ext cx="6096000" cy="3429000"/>
-          </a:xfrm>
-          <a:custGeom>
-            <a:avLst/>
-            <a:gdLst/>
-            <a:ahLst/>
-            <a:cxnLst/>
-            <a:rect l="0" t="0" r="0" b="0"/>
-            <a:pathLst>
-              <a:path w="120000" h="120000" extrusionOk="0">
-                <a:moveTo>
-                  <a:pt x="0" y="0"/>
-                </a:moveTo>
-                <a:lnTo>
-                  <a:pt x="120000" y="0"/>
-                </a:lnTo>
-                <a:lnTo>
-                  <a:pt x="120000" y="120000"/>
-                </a:lnTo>
-                <a:lnTo>
-                  <a:pt x="0" y="120000"/>
-                </a:lnTo>
-                <a:close/>
-              </a:path>
-            </a:pathLst>
-          </a:custGeom>
-        </p:spPr>
-      </p:sp>
-      <p:sp>
-        <p:nvSpPr>
-          <p:cNvPr id="1483" name="Shape 1483"/>
-          <p:cNvSpPr txBox="1">
-            <a:spLocks noGrp="1"/>
-          </p:cNvSpPr>
-          <p:nvPr>
-            <p:ph type="body" idx="1"/>
-          </p:nvPr>
-        </p:nvSpPr>
-        <p:spPr>
-          <a:xfrm>
-            <a:off x="685800" y="4343400"/>
-            <a:ext cx="5486400" cy="4114800"/>
-          </a:xfrm>
-          <a:prstGeom prst="rect">
-            <a:avLst/>
-          </a:prstGeom>
-        </p:spPr>
-        <p:txBody>
-          <a:bodyPr wrap="square" lIns="91425" tIns="91425" rIns="91425" bIns="91425" anchor="t" anchorCtr="0">
-            <a:noAutofit/>
-          </a:bodyPr>
-          <a:lstStyle/>
-          <a:p>
-            <a:pPr marL="0" lvl="0" indent="0">
-              <a:spcBef>
-                <a:spcPts val="0"/>
-              </a:spcBef>
-              <a:buNone/>
-            </a:pPr>
-            <a:endParaRPr/>
-          </a:p>
-        </p:txBody>
-      </p:sp>
-    </p:spTree>
-  </p:cSld>
-  <p:clrMapOvr>
-    <a:masterClrMapping/>
-  </p:clrMapOvr>
-</p:notes>
-</file>
-
-<file path=ppt/notesSlides/notesSlide3.xml><?xml version="1.0" encoding="utf-8"?>
-<p:notes xmlns:a="http://schemas.openxmlformats.org/drawingml/2006/main" xmlns:r="http://schemas.openxmlformats.org/officeDocument/2006/relationships" xmlns:p="http://schemas.openxmlformats.org/presentationml/2006/main" showMasterSp="0" showMasterPhAnim="0">
-  <p:cSld>
-    <p:spTree>
-      <p:nvGrpSpPr>
         <p:cNvPr id="1" name="Shape 1489"/>
         <p:cNvGrpSpPr/>
         <p:nvPr/>
@@ -827,7 +730,7 @@
 </p:notes>
 </file>
 
-<file path=ppt/notesSlides/notesSlide4.xml><?xml version="1.0" encoding="utf-8"?>
+<file path=ppt/notesSlides/notesSlide3.xml><?xml version="1.0" encoding="utf-8"?>
 <p:notes xmlns:a="http://schemas.openxmlformats.org/drawingml/2006/main" xmlns:r="http://schemas.openxmlformats.org/officeDocument/2006/relationships" xmlns:p="http://schemas.openxmlformats.org/presentationml/2006/main" showMasterSp="0" showMasterPhAnim="0">
   <p:cSld>
     <p:spTree>
@@ -928,7 +831,7 @@
 </p:notes>
 </file>
 
-<file path=ppt/notesSlides/notesSlide5.xml><?xml version="1.0" encoding="utf-8"?>
+<file path=ppt/notesSlides/notesSlide4.xml><?xml version="1.0" encoding="utf-8"?>
 <p:notes xmlns:a="http://schemas.openxmlformats.org/drawingml/2006/main" xmlns:r="http://schemas.openxmlformats.org/officeDocument/2006/relationships" xmlns:p="http://schemas.openxmlformats.org/presentationml/2006/main" showMasterSp="0" showMasterPhAnim="0">
   <p:cSld>
     <p:spTree>
@@ -1029,7 +932,7 @@
 </p:notes>
 </file>
 
-<file path=ppt/notesSlides/notesSlide6.xml><?xml version="1.0" encoding="utf-8"?>
+<file path=ppt/notesSlides/notesSlide5.xml><?xml version="1.0" encoding="utf-8"?>
 <p:notes xmlns:a="http://schemas.openxmlformats.org/drawingml/2006/main" xmlns:r="http://schemas.openxmlformats.org/officeDocument/2006/relationships" xmlns:p="http://schemas.openxmlformats.org/presentationml/2006/main" showMasterSp="0" showMasterPhAnim="0">
   <p:cSld>
     <p:spTree>
@@ -1130,7 +1033,7 @@
 </p:notes>
 </file>
 
-<file path=ppt/notesSlides/notesSlide7.xml><?xml version="1.0" encoding="utf-8"?>
+<file path=ppt/notesSlides/notesSlide6.xml><?xml version="1.0" encoding="utf-8"?>
 <p:notes xmlns:a="http://schemas.openxmlformats.org/drawingml/2006/main" xmlns:r="http://schemas.openxmlformats.org/officeDocument/2006/relationships" xmlns:p="http://schemas.openxmlformats.org/presentationml/2006/main" showMasterSp="0" showMasterPhAnim="0">
   <p:cSld>
     <p:spTree>
@@ -55555,173 +55458,6 @@
   <p:cSld>
     <p:spTree>
       <p:nvGrpSpPr>
-        <p:cNvPr id="1" name="Shape 1484"/>
-        <p:cNvGrpSpPr/>
-        <p:nvPr/>
-      </p:nvGrpSpPr>
-      <p:grpSpPr>
-        <a:xfrm>
-          <a:off x="0" y="0"/>
-          <a:ext cx="0" cy="0"/>
-          <a:chOff x="0" y="0"/>
-          <a:chExt cx="0" cy="0"/>
-        </a:xfrm>
-      </p:grpSpPr>
-      <p:sp>
-        <p:nvSpPr>
-          <p:cNvPr id="1485" name="Shape 1485"/>
-          <p:cNvSpPr txBox="1">
-            <a:spLocks noGrp="1"/>
-          </p:cNvSpPr>
-          <p:nvPr>
-            <p:ph type="title"/>
-          </p:nvPr>
-        </p:nvSpPr>
-        <p:spPr>
-          <a:xfrm>
-            <a:off x="457200" y="434575"/>
-            <a:ext cx="3541200" cy="857400"/>
-          </a:xfrm>
-          <a:prstGeom prst="rect">
-            <a:avLst/>
-          </a:prstGeom>
-        </p:spPr>
-        <p:txBody>
-          <a:bodyPr wrap="square" lIns="91425" tIns="91425" rIns="91425" bIns="91425" anchor="b" anchorCtr="0">
-            <a:noAutofit/>
-          </a:bodyPr>
-          <a:lstStyle/>
-          <a:p>
-            <a:pPr marL="0" lvl="0" indent="0" rtl="0">
-              <a:spcBef>
-                <a:spcPts val="0"/>
-              </a:spcBef>
-              <a:buNone/>
-            </a:pPr>
-            <a:r>
-              <a:rPr lang="en" sz="3600"/>
-              <a:t>Java CoC</a:t>
-            </a:r>
-          </a:p>
-        </p:txBody>
-      </p:sp>
-      <p:sp>
-        <p:nvSpPr>
-          <p:cNvPr id="1486" name="Shape 1486"/>
-          <p:cNvSpPr txBox="1">
-            <a:spLocks noGrp="1"/>
-          </p:cNvSpPr>
-          <p:nvPr>
-            <p:ph type="body" idx="1"/>
-          </p:nvPr>
-        </p:nvSpPr>
-        <p:spPr>
-          <a:xfrm>
-            <a:off x="457200" y="1504950"/>
-            <a:ext cx="3541200" cy="3266700"/>
-          </a:xfrm>
-          <a:prstGeom prst="rect">
-            <a:avLst/>
-          </a:prstGeom>
-        </p:spPr>
-        <p:txBody>
-          <a:bodyPr wrap="square" lIns="91425" tIns="91425" rIns="91425" bIns="91425" anchor="t" anchorCtr="0">
-            <a:noAutofit/>
-          </a:bodyPr>
-          <a:lstStyle/>
-          <a:p>
-            <a:pPr marL="0" lvl="0" indent="0" rtl="0">
-              <a:spcBef>
-                <a:spcPts val="0"/>
-              </a:spcBef>
-              <a:buNone/>
-            </a:pPr>
-            <a:r>
-              <a:rPr lang="en"/>
-              <a:t>We are developers from Java CoC, </a:t>
-            </a:r>
-          </a:p>
-        </p:txBody>
-      </p:sp>
-      <p:pic>
-        <p:nvPicPr>
-          <p:cNvPr id="1487" name="Shape 1487"/>
-          <p:cNvPicPr preferRelativeResize="0"/>
-          <p:nvPr/>
-        </p:nvPicPr>
-        <p:blipFill rotWithShape="1">
-          <a:blip r:embed="rId3">
-            <a:alphaModFix/>
-          </a:blip>
-          <a:srcRect l="13187" r="13180"/>
-          <a:stretch/>
-        </p:blipFill>
-        <p:spPr>
-          <a:xfrm>
-            <a:off x="5431725" y="840675"/>
-            <a:ext cx="2918900" cy="3408025"/>
-          </a:xfrm>
-          <a:prstGeom prst="rect">
-            <a:avLst/>
-          </a:prstGeom>
-          <a:noFill/>
-          <a:ln>
-            <a:noFill/>
-          </a:ln>
-        </p:spPr>
-      </p:pic>
-      <p:sp>
-        <p:nvSpPr>
-          <p:cNvPr id="1488" name="Shape 1488"/>
-          <p:cNvSpPr txBox="1">
-            <a:spLocks noGrp="1"/>
-          </p:cNvSpPr>
-          <p:nvPr>
-            <p:ph type="sldNum" idx="12"/>
-          </p:nvPr>
-        </p:nvSpPr>
-        <p:spPr>
-          <a:xfrm>
-            <a:off x="8570575" y="4571050"/>
-            <a:ext cx="573300" cy="572400"/>
-          </a:xfrm>
-          <a:prstGeom prst="rect">
-            <a:avLst/>
-          </a:prstGeom>
-        </p:spPr>
-        <p:txBody>
-          <a:bodyPr wrap="square" lIns="91425" tIns="91425" rIns="91425" bIns="91425" anchor="ctr" anchorCtr="0">
-            <a:noAutofit/>
-          </a:bodyPr>
-          <a:lstStyle/>
-          <a:p>
-            <a:pPr marL="0" lvl="0" indent="0">
-              <a:spcBef>
-                <a:spcPts val="0"/>
-              </a:spcBef>
-              <a:buNone/>
-            </a:pPr>
-            <a:fld id="{00000000-1234-1234-1234-123412341234}" type="slidenum">
-              <a:rPr lang="en"/>
-              <a:t>2</a:t>
-            </a:fld>
-            <a:endParaRPr lang="en"/>
-          </a:p>
-        </p:txBody>
-      </p:sp>
-    </p:spTree>
-  </p:cSld>
-  <p:clrMapOvr>
-    <a:masterClrMapping/>
-  </p:clrMapOvr>
-</p:sld>
-</file>
-
-<file path=ppt/slides/slide3.xml><?xml version="1.0" encoding="utf-8"?>
-<p:sld xmlns:a="http://schemas.openxmlformats.org/drawingml/2006/main" xmlns:r="http://schemas.openxmlformats.org/officeDocument/2006/relationships" xmlns:p="http://schemas.openxmlformats.org/presentationml/2006/main">
-  <p:cSld>
-    <p:spTree>
-      <p:nvGrpSpPr>
         <p:cNvPr id="1" name="Shape 1492"/>
         <p:cNvGrpSpPr/>
         <p:nvPr/>
@@ -55875,7 +55611,7 @@
             </a:pPr>
             <a:fld id="{00000000-1234-1234-1234-123412341234}" type="slidenum">
               <a:rPr lang="en"/>
-              <a:t>3</a:t>
+              <a:t>2</a:t>
             </a:fld>
             <a:endParaRPr lang="en"/>
           </a:p>
@@ -56322,7 +56058,7 @@
 </p:sld>
 </file>
 
-<file path=ppt/slides/slide4.xml><?xml version="1.0" encoding="utf-8"?>
+<file path=ppt/slides/slide3.xml><?xml version="1.0" encoding="utf-8"?>
 <p:sld xmlns:a="http://schemas.openxmlformats.org/drawingml/2006/main" xmlns:r="http://schemas.openxmlformats.org/officeDocument/2006/relationships" xmlns:p="http://schemas.openxmlformats.org/presentationml/2006/main">
   <p:cSld>
     <p:spTree>
@@ -56414,7 +56150,7 @@
             </a:pPr>
             <a:fld id="{00000000-1234-1234-1234-123412341234}" type="slidenum">
               <a:rPr lang="en"/>
-              <a:t>4</a:t>
+              <a:t>3</a:t>
             </a:fld>
             <a:endParaRPr lang="en"/>
           </a:p>
@@ -56920,7 +56656,7 @@
 </p:sld>
 </file>
 
-<file path=ppt/slides/slide5.xml><?xml version="1.0" encoding="utf-8"?>
+<file path=ppt/slides/slide4.xml><?xml version="1.0" encoding="utf-8"?>
 <p:sld xmlns:a="http://schemas.openxmlformats.org/drawingml/2006/main" xmlns:r="http://schemas.openxmlformats.org/officeDocument/2006/relationships" xmlns:p="http://schemas.openxmlformats.org/presentationml/2006/main">
   <p:cSld>
     <p:spTree>
@@ -57025,7 +56761,7 @@
             </a:pPr>
             <a:fld id="{00000000-1234-1234-1234-123412341234}" type="slidenum">
               <a:rPr lang="en"/>
-              <a:t>5</a:t>
+              <a:t>4</a:t>
             </a:fld>
             <a:endParaRPr lang="en"/>
           </a:p>
@@ -57391,7 +57127,7 @@
 </p:sld>
 </file>
 
-<file path=ppt/slides/slide6.xml><?xml version="1.0" encoding="utf-8"?>
+<file path=ppt/slides/slide5.xml><?xml version="1.0" encoding="utf-8"?>
 <p:sld xmlns:a="http://schemas.openxmlformats.org/drawingml/2006/main" xmlns:r="http://schemas.openxmlformats.org/officeDocument/2006/relationships" xmlns:p="http://schemas.openxmlformats.org/presentationml/2006/main">
   <p:cSld>
     <p:spTree>
@@ -57567,7 +57303,7 @@
             </a:pPr>
             <a:fld id="{00000000-1234-1234-1234-123412341234}" type="slidenum">
               <a:rPr lang="en"/>
-              <a:t>6</a:t>
+              <a:t>5</a:t>
             </a:fld>
             <a:endParaRPr lang="en"/>
           </a:p>
@@ -57972,7 +57708,7 @@
 </p:sld>
 </file>
 
-<file path=ppt/slides/slide7.xml><?xml version="1.0" encoding="utf-8"?>
+<file path=ppt/slides/slide6.xml><?xml version="1.0" encoding="utf-8"?>
 <p:sld xmlns:a="http://schemas.openxmlformats.org/drawingml/2006/main" xmlns:r="http://schemas.openxmlformats.org/officeDocument/2006/relationships" xmlns:p="http://schemas.openxmlformats.org/presentationml/2006/main">
   <p:cSld>
     <p:spTree>
@@ -58049,7 +57785,7 @@
             </a:pPr>
             <a:fld id="{00000000-1234-1234-1234-123412341234}" type="slidenum">
               <a:rPr lang="en"/>
-              <a:t>7</a:t>
+              <a:t>6</a:t>
             </a:fld>
             <a:endParaRPr lang="en"/>
           </a:p>
